--- a/challenge binar.pptx
+++ b/challenge binar.pptx
@@ -26216,7 +26216,7 @@
         </p:nvSpPr>
         <p:spPr>
           <a:xfrm>
-            <a:off x="3498574" y="866648"/>
+            <a:off x="3498574" y="787136"/>
             <a:ext cx="8653802" cy="1145032"/>
           </a:xfrm>
         </p:spPr>
@@ -26283,7 +26283,15 @@
           <a:p>
             <a:r>
               <a:rPr lang="en-US" dirty="0"/>
-              <a:t>Cleaning data</a:t>
+              <a:t>Data yang </a:t>
+            </a:r>
+            <a:r>
+              <a:rPr lang="en-US" dirty="0" err="1"/>
+              <a:t>digunakan</a:t>
+            </a:r>
+            <a:r>
+              <a:rPr lang="en-US" dirty="0"/>
+              <a:t> :</a:t>
             </a:r>
           </a:p>
         </p:txBody>
@@ -26304,99 +26312,286 @@
             <p:ph sz="half" idx="2"/>
           </p:nvPr>
         </p:nvSpPr>
-        <p:spPr/>
+        <p:spPr>
+          <a:xfrm>
+            <a:off x="3685032" y="2877312"/>
+            <a:ext cx="8016638" cy="3684588"/>
+          </a:xfrm>
+        </p:spPr>
         <p:txBody>
           <a:bodyPr/>
           <a:lstStyle/>
           <a:p>
             <a:r>
+              <a:rPr lang="en-US" b="1" dirty="0"/>
+              <a:t>Data Twitter (data.csv) : </a:t>
+            </a:r>
+          </a:p>
+          <a:p>
+            <a:pPr marL="0" indent="0">
+              <a:buNone/>
+            </a:pPr>
+            <a:r>
               <a:rPr lang="en-US" dirty="0"/>
-              <a:t>Develop winning strategies to keep ahead of the competition</a:t>
-            </a:r>
-          </a:p>
-          <a:p>
+              <a:t>	</a:t>
+            </a:r>
+            <a:r>
+              <a:rPr lang="en-US" dirty="0" err="1"/>
+              <a:t>berisi</a:t>
+            </a:r>
             <a:r>
               <a:rPr lang="en-US" dirty="0"/>
-              <a:t>Capitalize on low-hanging fruit to identify a ballpark value</a:t>
-            </a:r>
-          </a:p>
-          <a:p>
+              <a:t> data tweet yang </a:t>
+            </a:r>
+            <a:r>
+              <a:rPr lang="en-US" dirty="0" err="1"/>
+              <a:t>akan</a:t>
+            </a:r>
             <a:r>
               <a:rPr lang="en-US" dirty="0"/>
-              <a:t>Visualize customer directed convergence</a:t>
-            </a:r>
-          </a:p>
-          <a:p>
+              <a:t> </a:t>
+            </a:r>
+            <a:r>
+              <a:rPr lang="en-US" dirty="0" err="1"/>
+              <a:t>digunakan</a:t>
+            </a:r>
+            <a:r>
+              <a:rPr lang="en-US" dirty="0"/>
+              <a:t> </a:t>
+            </a:r>
+            <a:r>
+              <a:rPr lang="en-US" dirty="0" err="1"/>
+              <a:t>sebagai</a:t>
+            </a:r>
+            <a:r>
+              <a:rPr lang="en-US" dirty="0"/>
+              <a:t> data uji</a:t>
+            </a:r>
+          </a:p>
+          <a:p>
+            <a:pPr marL="0" indent="0">
+              <a:buNone/>
+            </a:pPr>
             <a:endParaRPr lang="en-US" dirty="0"/>
           </a:p>
-        </p:txBody>
-      </p:sp>
-      <p:sp>
-        <p:nvSpPr>
-          <p:cNvPr id="13" name="Text Placeholder 12">
-            <a:extLst>
-              <a:ext uri="{FF2B5EF4-FFF2-40B4-BE49-F238E27FC236}">
-                <a16:creationId xmlns:a16="http://schemas.microsoft.com/office/drawing/2014/main" id="{F618F075-837C-1005-19D6-8DC90759CD53}"/>
-              </a:ext>
-            </a:extLst>
-          </p:cNvPr>
-          <p:cNvSpPr>
-            <a:spLocks noGrp="1"/>
-          </p:cNvSpPr>
-          <p:nvPr>
-            <p:ph type="body" sz="quarter" idx="3"/>
-          </p:nvPr>
-        </p:nvSpPr>
-        <p:spPr/>
-        <p:txBody>
-          <a:bodyPr/>
-          <a:lstStyle/>
-          <a:p>
+          <a:p>
+            <a:r>
+              <a:rPr lang="en-US" b="1" dirty="0"/>
+              <a:t>Data Kamus </a:t>
+            </a:r>
+            <a:r>
+              <a:rPr lang="en-US" b="1" dirty="0" err="1"/>
+              <a:t>alay</a:t>
+            </a:r>
+            <a:r>
+              <a:rPr lang="en-US" b="1" dirty="0"/>
+              <a:t> (new_kamusalay.csv) :</a:t>
+            </a:r>
+          </a:p>
+          <a:p>
+            <a:pPr marL="0" indent="0">
+              <a:buNone/>
+            </a:pPr>
             <a:r>
               <a:rPr lang="en-US" dirty="0"/>
-              <a:t>CLOUD-BASED</a:t>
-            </a:r>
-            <a:r>
-              <a:rPr lang="zh-CN" altLang="en-US" dirty="0"/>
+              <a:t>	</a:t>
+            </a:r>
+            <a:r>
+              <a:rPr lang="en-US" dirty="0" err="1"/>
+              <a:t>berisi</a:t>
+            </a:r>
+            <a:r>
+              <a:rPr lang="en-US" dirty="0"/>
+              <a:t> daftar kata </a:t>
+            </a:r>
+            <a:r>
+              <a:rPr lang="en-US" dirty="0" err="1"/>
+              <a:t>alay</a:t>
+            </a:r>
+            <a:r>
+              <a:rPr lang="en-US" dirty="0"/>
+              <a:t> dan kata yang </a:t>
+            </a:r>
+            <a:r>
+              <a:rPr lang="en-US" dirty="0" err="1"/>
+              <a:t>sudah</a:t>
+            </a:r>
+            <a:r>
+              <a:rPr lang="en-US" dirty="0"/>
               <a:t> </a:t>
             </a:r>
             <a:r>
+              <a:rPr lang="en-US" dirty="0" err="1"/>
+              <a:t>dibakukan</a:t>
+            </a:r>
+            <a:r>
               <a:rPr lang="en-US" dirty="0"/>
-              <a:t>OPPORTUNITIES</a:t>
-            </a:r>
-          </a:p>
-        </p:txBody>
-      </p:sp>
-      <p:sp>
-        <p:nvSpPr>
-          <p:cNvPr id="14" name="Content Placeholder 13">
-            <a:extLst>
-              <a:ext uri="{FF2B5EF4-FFF2-40B4-BE49-F238E27FC236}">
-                <a16:creationId xmlns:a16="http://schemas.microsoft.com/office/drawing/2014/main" id="{DD1D0BF9-FCAA-67DA-79AB-E6E7E6D2B6A1}"/>
-              </a:ext>
-            </a:extLst>
-          </p:cNvPr>
-          <p:cNvSpPr>
-            <a:spLocks noGrp="1"/>
-          </p:cNvSpPr>
-          <p:nvPr>
-            <p:ph sz="quarter" idx="4"/>
-          </p:nvPr>
-        </p:nvSpPr>
-        <p:spPr/>
-        <p:txBody>
-          <a:bodyPr/>
-          <a:lstStyle/>
-          <a:p>
+              <a:t>. Data ini </a:t>
+            </a:r>
+            <a:r>
+              <a:rPr lang="en-US" dirty="0" err="1"/>
+              <a:t>digunakan</a:t>
+            </a:r>
             <a:r>
               <a:rPr lang="en-US" dirty="0"/>
-              <a:t>Iterative approaches to corporate strategy</a:t>
-            </a:r>
-          </a:p>
-          <a:p>
+              <a:t> </a:t>
+            </a:r>
+            <a:r>
+              <a:rPr lang="en-US" dirty="0" err="1"/>
+              <a:t>sebagai</a:t>
+            </a:r>
             <a:r>
               <a:rPr lang="en-US" dirty="0"/>
-              <a:t>Establish a management framework from the inside</a:t>
+              <a:t> 	</a:t>
+            </a:r>
+            <a:r>
+              <a:rPr lang="en-US" dirty="0" err="1"/>
+              <a:t>kamus</a:t>
+            </a:r>
+            <a:r>
+              <a:rPr lang="en-US" dirty="0"/>
+              <a:t> untuk </a:t>
+            </a:r>
+            <a:r>
+              <a:rPr lang="en-US" dirty="0" err="1"/>
+              <a:t>mengubah</a:t>
+            </a:r>
+            <a:r>
+              <a:rPr lang="en-US" dirty="0"/>
+              <a:t> kata </a:t>
+            </a:r>
+            <a:r>
+              <a:rPr lang="en-US" dirty="0" err="1"/>
+              <a:t>alay</a:t>
+            </a:r>
+            <a:r>
+              <a:rPr lang="en-US" dirty="0"/>
+              <a:t> pada data uji </a:t>
+            </a:r>
+            <a:r>
+              <a:rPr lang="en-US" dirty="0" err="1"/>
+              <a:t>menjadi</a:t>
+            </a:r>
+            <a:r>
+              <a:rPr lang="en-US" dirty="0"/>
+              <a:t> kata yang </a:t>
+            </a:r>
+            <a:r>
+              <a:rPr lang="en-US" dirty="0" err="1"/>
+              <a:t>lebih</a:t>
+            </a:r>
+            <a:r>
+              <a:rPr lang="en-US" dirty="0"/>
+              <a:t> </a:t>
+            </a:r>
+            <a:r>
+              <a:rPr lang="en-US" dirty="0" err="1"/>
+              <a:t>baku</a:t>
+            </a:r>
+            <a:r>
+              <a:rPr lang="en-US" dirty="0"/>
+              <a:t>.</a:t>
+            </a:r>
+          </a:p>
+          <a:p>
+            <a:pPr marL="0" indent="0">
+              <a:buNone/>
+            </a:pPr>
+            <a:endParaRPr lang="en-US" dirty="0"/>
+          </a:p>
+          <a:p>
+            <a:r>
+              <a:rPr lang="en-US" b="1" dirty="0"/>
+              <a:t>Data kata </a:t>
+            </a:r>
+            <a:r>
+              <a:rPr lang="en-US" b="1" dirty="0" err="1"/>
+              <a:t>kasar</a:t>
+            </a:r>
+            <a:r>
+              <a:rPr lang="en-US" b="1" dirty="0"/>
+              <a:t>/abusive (abusive.csv) :</a:t>
+            </a:r>
+          </a:p>
+          <a:p>
+            <a:pPr marL="0" indent="0">
+              <a:buNone/>
+            </a:pPr>
+            <a:r>
+              <a:rPr lang="en-US" dirty="0"/>
+              <a:t>	</a:t>
+            </a:r>
+            <a:r>
+              <a:rPr lang="en-US" dirty="0" err="1"/>
+              <a:t>berisi</a:t>
+            </a:r>
+            <a:r>
+              <a:rPr lang="en-US" dirty="0"/>
+              <a:t> daftar kata-kata </a:t>
+            </a:r>
+            <a:r>
+              <a:rPr lang="en-US" dirty="0" err="1"/>
+              <a:t>kasar</a:t>
+            </a:r>
+            <a:r>
+              <a:rPr lang="en-US" dirty="0"/>
+              <a:t>. Data ini </a:t>
+            </a:r>
+            <a:r>
+              <a:rPr lang="en-US" dirty="0" err="1"/>
+              <a:t>digunakan</a:t>
+            </a:r>
+            <a:r>
+              <a:rPr lang="en-US" dirty="0"/>
+              <a:t> </a:t>
+            </a:r>
+            <a:r>
+              <a:rPr lang="en-US" dirty="0" err="1"/>
+              <a:t>sebagai</a:t>
+            </a:r>
+            <a:r>
+              <a:rPr lang="en-US" dirty="0"/>
+              <a:t> </a:t>
+            </a:r>
+            <a:r>
+              <a:rPr lang="en-US" dirty="0" err="1"/>
+              <a:t>kamus</a:t>
+            </a:r>
+            <a:r>
+              <a:rPr lang="en-US" dirty="0"/>
+              <a:t> untuk </a:t>
+            </a:r>
+            <a:r>
+              <a:rPr lang="en-US" dirty="0" err="1"/>
+              <a:t>mencari</a:t>
+            </a:r>
+            <a:r>
+              <a:rPr lang="en-US" dirty="0"/>
+              <a:t> 	</a:t>
+            </a:r>
+            <a:r>
+              <a:rPr lang="en-US" dirty="0" err="1"/>
+              <a:t>banyaknya</a:t>
+            </a:r>
+            <a:r>
+              <a:rPr lang="en-US" dirty="0"/>
+              <a:t> kata </a:t>
+            </a:r>
+            <a:r>
+              <a:rPr lang="en-US" dirty="0" err="1"/>
+              <a:t>kasar</a:t>
+            </a:r>
+            <a:r>
+              <a:rPr lang="en-US" dirty="0"/>
+              <a:t> yang </a:t>
+            </a:r>
+            <a:r>
+              <a:rPr lang="en-US" dirty="0" err="1"/>
+              <a:t>ada</a:t>
+            </a:r>
+            <a:r>
+              <a:rPr lang="en-US" dirty="0"/>
+              <a:t> pada data uji.</a:t>
             </a:r>
           </a:p>
           <a:p>
@@ -26436,39 +26631,6 @@
       </p:grpSpPr>
       <p:sp>
         <p:nvSpPr>
-          <p:cNvPr id="2" name="Title 1">
-            <a:extLst>
-              <a:ext uri="{FF2B5EF4-FFF2-40B4-BE49-F238E27FC236}">
-                <a16:creationId xmlns:a16="http://schemas.microsoft.com/office/drawing/2014/main" id="{86B309B0-6209-D3D0-9D5E-308B9F6E7303}"/>
-              </a:ext>
-            </a:extLst>
-          </p:cNvPr>
-          <p:cNvSpPr>
-            <a:spLocks noGrp="1"/>
-          </p:cNvSpPr>
-          <p:nvPr>
-            <p:ph type="title"/>
-          </p:nvPr>
-        </p:nvSpPr>
-        <p:spPr>
-          <a:xfrm>
-            <a:off x="3498574" y="866648"/>
-            <a:ext cx="8653802" cy="1145032"/>
-          </a:xfrm>
-        </p:spPr>
-        <p:txBody>
-          <a:bodyPr/>
-          <a:lstStyle/>
-          <a:p>
-            <a:r>
-              <a:rPr lang="en-US" sz="4000" dirty="0"/>
-              <a:t>Data preparation &amp; analyze</a:t>
-            </a:r>
-          </a:p>
-        </p:txBody>
-      </p:sp>
-      <p:sp>
-        <p:nvSpPr>
           <p:cNvPr id="25" name="Slide Number Placeholder 24">
             <a:extLst>
               <a:ext uri="{FF2B5EF4-FFF2-40B4-BE49-F238E27FC236}">
@@ -26512,7 +26674,12 @@
             <p:ph type="body" idx="1"/>
           </p:nvPr>
         </p:nvSpPr>
-        <p:spPr/>
+        <p:spPr>
+          <a:xfrm>
+            <a:off x="3977640" y="859709"/>
+            <a:ext cx="3822192" cy="411480"/>
+          </a:xfrm>
+        </p:spPr>
         <p:txBody>
           <a:bodyPr/>
           <a:lstStyle/>
@@ -26542,7 +26709,7 @@
         </p:nvSpPr>
         <p:spPr>
           <a:xfrm>
-            <a:off x="3685032" y="2877312"/>
+            <a:off x="3685032" y="1406317"/>
             <a:ext cx="7870864" cy="3684588"/>
           </a:xfrm>
         </p:spPr>
@@ -27855,15 +28022,6 @@
 </file>
 
 <file path=customXml/item1.xml><?xml version="1.0" encoding="utf-8"?>
-<?mso-contentType ?>
-<FormTemplates xmlns="http://schemas.microsoft.com/sharepoint/v3/contenttype/forms">
-  <Display>DocumentLibraryForm</Display>
-  <Edit>DocumentLibraryForm</Edit>
-  <New>DocumentLibraryForm</New>
-</FormTemplates>
-</file>
-
-<file path=customXml/item2.xml><?xml version="1.0" encoding="utf-8"?>
 <ct:contentTypeSchema xmlns:ct="http://schemas.microsoft.com/office/2006/metadata/contentType" xmlns:ma="http://schemas.microsoft.com/office/2006/metadata/properties/metaAttributes" ct:_="" ma:_="" ma:contentTypeName="Document" ma:contentTypeID="0x010100A116C6E49130854AB8AC213B4A485674" ma:contentTypeVersion="2" ma:contentTypeDescription="Create a new document." ma:contentTypeScope="" ma:versionID="eae24e2d948a564fa6120b8f85c32e02">
   <xsd:schema xmlns:xsd="http://www.w3.org/2001/XMLSchema" xmlns:xs="http://www.w3.org/2001/XMLSchema" xmlns:p="http://schemas.microsoft.com/office/2006/metadata/properties" xmlns:ns3="cb9bd69a-8657-451f-ae4f-6960e428c111" targetNamespace="http://schemas.microsoft.com/office/2006/metadata/properties" ma:root="true" ma:fieldsID="55cdcb925e5f8136563d0c9ded7fedb9" ns3:_="">
     <xsd:import namespace="cb9bd69a-8657-451f-ae4f-6960e428c111"/>
@@ -27995,6 +28153,15 @@
 </ct:contentTypeSchema>
 </file>
 
+<file path=customXml/item2.xml><?xml version="1.0" encoding="utf-8"?>
+<?mso-contentType ?>
+<FormTemplates xmlns="http://schemas.microsoft.com/sharepoint/v3/contenttype/forms">
+  <Display>DocumentLibraryForm</Display>
+  <Edit>DocumentLibraryForm</Edit>
+  <New>DocumentLibraryForm</New>
+</FormTemplates>
+</file>
+
 <file path=customXml/item3.xml><?xml version="1.0" encoding="utf-8"?>
 <p:properties xmlns:p="http://schemas.microsoft.com/office/2006/metadata/properties" xmlns:xsi="http://www.w3.org/2001/XMLSchema-instance" xmlns:pc="http://schemas.microsoft.com/office/infopath/2007/PartnerControls">
   <documentManagement/>
@@ -28002,14 +28169,6 @@
 </file>
 
 <file path=customXml/itemProps1.xml><?xml version="1.0" encoding="utf-8"?>
-<ds:datastoreItem xmlns:ds="http://schemas.openxmlformats.org/officeDocument/2006/customXml" ds:itemID="{8A8D2AE5-ED10-4CA1-9037-94327271A4BF}">
-  <ds:schemaRefs>
-    <ds:schemaRef ds:uri="http://schemas.microsoft.com/sharepoint/v3/contenttype/forms"/>
-  </ds:schemaRefs>
-</ds:datastoreItem>
-</file>
-
-<file path=customXml/itemProps2.xml><?xml version="1.0" encoding="utf-8"?>
 <ds:datastoreItem xmlns:ds="http://schemas.openxmlformats.org/officeDocument/2006/customXml" ds:itemID="{D2E57734-82D2-4EB2-8413-C76AF46C76C5}">
   <ds:schemaRefs>
     <ds:schemaRef ds:uri="http://schemas.microsoft.com/office/2006/metadata/contentType"/>
@@ -28023,6 +28182,14 @@
     <ds:schemaRef ds:uri="http://purl.org/dc/elements/1.1/"/>
     <ds:schemaRef ds:uri="http://purl.org/dc/terms/"/>
     <ds:schemaRef ds:uri="http://schemas.microsoft.com/internal/obd"/>
+  </ds:schemaRefs>
+</ds:datastoreItem>
+</file>
+
+<file path=customXml/itemProps2.xml><?xml version="1.0" encoding="utf-8"?>
+<ds:datastoreItem xmlns:ds="http://schemas.openxmlformats.org/officeDocument/2006/customXml" ds:itemID="{8A8D2AE5-ED10-4CA1-9037-94327271A4BF}">
+  <ds:schemaRefs>
+    <ds:schemaRef ds:uri="http://schemas.microsoft.com/sharepoint/v3/contenttype/forms"/>
   </ds:schemaRefs>
 </ds:datastoreItem>
 </file>
